--- a/2024/lecture_09.pptx
+++ b/2024/lecture_09.pptx
@@ -9252,7 +9252,7 @@
 <file path=ppt/slides/slide35.xml><?xml version="1.0" encoding="UTF-8"?><p:sld xmlns:a="http://schemas.openxmlformats.org/drawingml/2006/main" xmlns:r="http://schemas.openxmlformats.org/officeDocument/2006/relationships" xmlns:p="http://schemas.openxmlformats.org/presentationml/2006/main"><p:cSld><p:spTree><p:nvGrpSpPr><p:cNvPr id="1" name="" /><p:cNvGrpSpPr /><p:nvPr /></p:nvGrpSpPr><p:grpSpPr><a:xfrm><a:off x="0" y="0" /><a:ext cx="0" cy="0" /><a:chOff x="0" y="0" /><a:chExt cx="0" cy="0" /></a:xfrm></p:grpSpPr><p:sp><p:nvSpPr><p:cNvPr id="2" name="Title 1" /><p:cNvSpPr><a:spLocks noGrp="1" /></p:cNvSpPr><p:nvPr><p:ph type="title" /></p:nvPr></p:nvSpPr><p:spPr /><p:txBody><a:bodyPr /><a:lstStyle /><a:p><a:pPr lvl="0" indent="0" marL="0"><a:buNone /></a:pPr><a:r><a:rPr /><a:t>Confidence Intervals for </a:t></a:r><a14:m><m:oMath xmlns:m="http://schemas.openxmlformats.org/officeDocument/2006/math"><m:sSub><m:e><m:r><m:t>b</m:t></m:r></m:e><m:sub><m:r><m:t>1</m:t></m:r></m:sub></m:sSub></m:oMath></a14:m></a:p></p:txBody></p:sp><p:sp><p:nvSpPr><p:cNvPr id="3" name="Content Placeholder 2" /><p:cNvSpPr><a:spLocks noGrp="1" /></p:cNvSpPr><p:nvPr><p:ph idx="1" /></p:nvPr></p:nvSpPr><p:spPr /><p:txBody><a:bodyPr /><a:lstStyle /><a:p><a:pPr lvl="0" /><a:r><a:rPr /><a:t>CIs are useful as a </a:t></a:r><a:r><a:rPr b="1" /><a:t>measure of uncertainty</a:t></a:r><a:r><a:rPr /><a:t> in our estimate</a:t></a:r></a:p><a:p><a:pPr lvl="1" /><a:r><a:rPr b="1" /><a:t>Is there a relatively large difference between the upper and lower limits?</a:t></a:r></a:p><a:p><a:pPr lvl="2" /><a:r><a:rPr /><a:t>If yes, there is a large amount of uncertainty</a:t></a:r></a:p><a:p><a:pPr lvl="2" /><a:r><a:rPr /><a:t>If no, there is a small amount of uncertainty</a:t></a:r></a:p><a:p><a:pPr lvl="1" /><a:r><a:rPr /><a:t>For example:</a:t></a:r></a:p><a:p><a:pPr lvl="2" /><a:r><a:rPr /><a:t>95% CI = [1.28, 10.34] is a wide CI with a large amount of uncertainty</a:t></a:r></a:p><a:p><a:pPr lvl="2" /><a:r><a:rPr /><a:t>95% CI = [1.28, 1.34] is a narrow CI with a small amount of uncertainty</a:t></a:r></a:p></p:txBody></p:sp></p:spTree></p:cSld></p:sld>
 </file>
 
-<file path=ppt/slides/slide36.xml><?xml version="1.0" encoding="UTF-8"?><p:sld xmlns:a="http://schemas.openxmlformats.org/drawingml/2006/main" xmlns:r="http://schemas.openxmlformats.org/officeDocument/2006/relationships" xmlns:p="http://schemas.openxmlformats.org/presentationml/2006/main"><p:cSld><p:spTree><p:nvGrpSpPr><p:cNvPr id="1" name="" /><p:cNvGrpSpPr /><p:nvPr /></p:nvGrpSpPr><p:grpSpPr><a:xfrm><a:off x="0" y="0" /><a:ext cx="0" cy="0" /><a:chOff x="0" y="0" /><a:chExt cx="0" cy="0" /></a:xfrm></p:grpSpPr><p:sp><p:nvSpPr><p:cNvPr id="2" name="Title 1" /><p:cNvSpPr><a:spLocks noGrp="1" /></p:cNvSpPr><p:nvPr><p:ph type="title" /></p:nvPr></p:nvSpPr><p:spPr /><p:txBody><a:bodyPr /><a:lstStyle /><a:p><a:pPr lvl="0" indent="0" marL="0"><a:buNone /></a:pPr><a:r><a:rPr /><a:t>Confidence Intervals for </a:t></a:r><a14:m><m:oMath xmlns:m="http://schemas.openxmlformats.org/officeDocument/2006/math"><m:sSub><m:e><m:r><m:t>b</m:t></m:r></m:e><m:sub><m:r><m:t>1</m:t></m:r></m:sub></m:sSub></m:oMath></a14:m></a:p></p:txBody></p:sp><mc:AlternateContent xmlns:mc="http://schemas.openxmlformats.org/markup-compatibility/2006"><mc:Choice xmlns:a14="http://schemas.microsoft.com/office/drawing/2010/main" Requires="a14"><p:sp><p:nvSpPr><p:cNvPr id="3" name="Content Placeholder 2" /><p:cNvSpPr><a:spLocks noGrp="1" /></p:cNvSpPr><p:nvPr><p:ph idx="1" /></p:nvPr></p:nvSpPr><p:spPr /><p:txBody><a:bodyPr /><a:lstStyle /><a:p><a:pPr lvl="0" /><a:r><a:rPr /><a:t>CIs can also tell us about the </a:t></a:r><a:r><a:rPr b="1" /><a:t>statistical</a:t></a:r><a:r><a:rPr /><a:t> </a:t></a:r><a:r><a:rPr b="1" /><a:t>significance</a:t></a:r><a:r><a:rPr /><a:t> of </a:t></a:r><a14:m><m:oMath xmlns:m="http://schemas.openxmlformats.org/officeDocument/2006/math"><m:sSub><m:e><m:r><m:t>b</m:t></m:r></m:e><m:sub><m:r><m:t>1</m:t></m:r></m:sub></m:sSub></m:oMath></a14:m></a:p><a:p><a:pPr lvl="1" /><a:r><a:rPr b="1" /><a:t>Does the CI cross (contain) 0?</a:t></a:r></a:p><a:p><a:pPr lvl="2" /><a:r><a:rPr /><a:t>If it does, and our sample contains the population value, it is possible the population value is 0.</a:t></a:r></a:p><a:p><a:pPr lvl="2" /><a:r><a:rPr /><a:t>If it doesn’t, and our sample contains the population value, it is likely the population value is 0.</a:t></a:r></a:p><a:p><a:pPr lvl="1" /><a:r><a:rPr /><a:t>For example:</a:t></a:r></a:p><a:p><a:pPr lvl="2" /><a:r><a:rPr /><a:t>95% CI = [-1.28, 1.34] crosses 0 </a:t></a:r><a:r><a:rPr i="1" /><a:t>(tip: look for a negative sign)</a:t></a:r></a:p><a:p><a:pPr lvl="2" /><a:r><a:rPr /><a:t>95% CI = [1.28, 1.34] does not cross 0</a:t></a:r></a:p></p:txBody></p:sp></mc:Choice></mc:AlternateContent></p:spTree></p:cSld></p:sld>
+<file path=ppt/slides/slide36.xml><?xml version="1.0" encoding="UTF-8"?><p:sld xmlns:a="http://schemas.openxmlformats.org/drawingml/2006/main" xmlns:r="http://schemas.openxmlformats.org/officeDocument/2006/relationships" xmlns:p="http://schemas.openxmlformats.org/presentationml/2006/main"><p:cSld><p:spTree><p:nvGrpSpPr><p:cNvPr id="1" name="" /><p:cNvGrpSpPr /><p:nvPr /></p:nvGrpSpPr><p:grpSpPr><a:xfrm><a:off x="0" y="0" /><a:ext cx="0" cy="0" /><a:chOff x="0" y="0" /><a:chExt cx="0" cy="0" /></a:xfrm></p:grpSpPr><p:sp><p:nvSpPr><p:cNvPr id="2" name="Title 1" /><p:cNvSpPr><a:spLocks noGrp="1" /></p:cNvSpPr><p:nvPr><p:ph type="title" /></p:nvPr></p:nvSpPr><p:spPr /><p:txBody><a:bodyPr /><a:lstStyle /><a:p><a:pPr lvl="0" indent="0" marL="0"><a:buNone /></a:pPr><a:r><a:rPr /><a:t>Confidence Intervals for </a:t></a:r><a14:m><m:oMath xmlns:m="http://schemas.openxmlformats.org/officeDocument/2006/math"><m:sSub><m:e><m:r><m:t>b</m:t></m:r></m:e><m:sub><m:r><m:t>1</m:t></m:r></m:sub></m:sSub></m:oMath></a14:m></a:p></p:txBody></p:sp><mc:AlternateContent xmlns:mc="http://schemas.openxmlformats.org/markup-compatibility/2006"><mc:Choice xmlns:a14="http://schemas.microsoft.com/office/drawing/2010/main" Requires="a14"><p:sp><p:nvSpPr><p:cNvPr id="3" name="Content Placeholder 2" /><p:cNvSpPr><a:spLocks noGrp="1" /></p:cNvSpPr><p:nvPr><p:ph idx="1" /></p:nvPr></p:nvSpPr><p:spPr /><p:txBody><a:bodyPr /><a:lstStyle /><a:p><a:pPr lvl="0" /><a:r><a:rPr /><a:t>CIs can also tell us about the </a:t></a:r><a:r><a:rPr b="1" /><a:t>statistical</a:t></a:r><a:r><a:rPr /><a:t> </a:t></a:r><a:r><a:rPr b="1" /><a:t>significance</a:t></a:r><a:r><a:rPr /><a:t> of </a:t></a:r><a14:m><m:oMath xmlns:m="http://schemas.openxmlformats.org/officeDocument/2006/math"><m:sSub><m:e><m:r><m:t>b</m:t></m:r></m:e><m:sub><m:r><m:t>1</m:t></m:r></m:sub></m:sSub></m:oMath></a14:m></a:p><a:p><a:pPr lvl="1" /><a:r><a:rPr b="1" /><a:t>Does the CI cross (contain) 0?</a:t></a:r></a:p><a:p><a:pPr lvl="2" /><a:r><a:rPr /><a:t>If it does, and our sample contains the population value, it is possible the population value is 0.</a:t></a:r></a:p><a:p><a:pPr lvl="2" /><a:r><a:rPr /><a:t>If it doesn’t, and our sample contains the population value, it is unlikely the population value is 0.</a:t></a:r></a:p><a:p><a:pPr lvl="1" /><a:r><a:rPr /><a:t>For example:</a:t></a:r></a:p><a:p><a:pPr lvl="2" /><a:r><a:rPr /><a:t>95% CI = [-1.28, 1.34] crosses 0 </a:t></a:r><a:r><a:rPr i="1" /><a:t>(tip: look for a negative sign)</a:t></a:r></a:p><a:p><a:pPr lvl="2" /><a:r><a:rPr /><a:t>95% CI = [1.28, 1.34] does not cross 0</a:t></a:r></a:p></p:txBody></p:sp></mc:Choice></mc:AlternateContent></p:spTree></p:cSld></p:sld>
 </file>
 
 <file path=ppt/slides/slide37.xml><?xml version="1.0" encoding="UTF-8"?><p:sld xmlns:a="http://schemas.openxmlformats.org/drawingml/2006/main" xmlns:r="http://schemas.openxmlformats.org/officeDocument/2006/relationships" xmlns:p="http://schemas.openxmlformats.org/presentationml/2006/main"><p:cSld><p:spTree><p:nvGrpSpPr><p:cNvPr id="1" name="" /><p:cNvGrpSpPr /><p:nvPr /></p:nvGrpSpPr><p:grpSpPr><a:xfrm><a:off x="0" y="0" /><a:ext cx="0" cy="0" /><a:chOff x="0" y="0" /><a:chExt cx="0" cy="0" /></a:xfrm></p:grpSpPr><p:sp><p:nvSpPr><p:cNvPr id="2" name="Title 1" /><p:cNvSpPr><a:spLocks noGrp="1" /></p:cNvSpPr><p:nvPr><p:ph type="title" /></p:nvPr></p:nvSpPr><p:spPr /><p:txBody><a:bodyPr /><a:lstStyle /><a:p><a:pPr lvl="0" indent="0" marL="0"><a:buNone /></a:pPr><a:r><a:rPr /><a:t>Is </a:t></a:r><a14:m><m:oMath xmlns:m="http://schemas.openxmlformats.org/officeDocument/2006/math"><m:sSub><m:e><m:r><m:t>b</m:t></m:r></m:e><m:sub><m:r><m:t>1</m:t></m:r></m:sub></m:sSub></m:oMath></a14:m><a:r><a:rPr /><a:t> (Statistically) Significant?</a:t></a:r></a:p></p:txBody></p:sp><mc:AlternateContent xmlns:mc="http://schemas.openxmlformats.org/markup-compatibility/2006"><mc:Choice xmlns:a14="http://schemas.microsoft.com/office/drawing/2010/main" Requires="a14"><p:sp><p:nvSpPr><p:cNvPr id="3" name="Content Placeholder 2" /><p:cNvSpPr><a:spLocks noGrp="1" /></p:cNvSpPr><p:nvPr><p:ph idx="1" /></p:nvPr></p:nvSpPr><p:spPr /><p:txBody><a:bodyPr /><a:lstStyle /><a:p><a:pPr lvl="0" indent="0"><a:buNone /></a:pPr><a:r><a:rPr><a:latin typeface="Courier" /></a:rPr><a:t>
